--- a/files/sigir2020.pptx
+++ b/files/sigir2020.pptx
@@ -332,6 +332,11 @@
       </a:defRPr>
     </a:lvl9pPr>
   </p:defaultTextStyle>
+  <p:extLst>
+    <p:ext uri="{EFAFB233-063F-42B5-8137-9DF3F51BA10A}">
+      <p15:sldGuideLst xmlns:p15="http://schemas.microsoft.com/office/powerpoint/2012/main"/>
+    </p:ext>
+  </p:extLst>
 </p:presentation>
 </file>
 
@@ -1013,7 +1018,7 @@
           </a:ln>
           <a:extLst>
             <a:ext uri="{C572A759-6A51-4108-AA02-DFA0A04FC94B}">
-              <ma14:wrappingTextBoxFlag xmlns:ma14="http://schemas.microsoft.com/office/mac/drawingml/2011/main" xmlns:a14="http://schemas.microsoft.com/office/drawing/2010/main" xmlns:m="http://schemas.openxmlformats.org/officeDocument/2006/math" xmlns="" val="1"/>
+              <ma14:wrappingTextBoxFlag xmlns="" xmlns:m="http://schemas.openxmlformats.org/officeDocument/2006/math" xmlns:a14="http://schemas.microsoft.com/office/drawing/2010/main" xmlns:ma14="http://schemas.microsoft.com/office/mac/drawingml/2011/main" val="1"/>
             </a:ext>
           </a:extLst>
         </p:spPr>
@@ -1050,7 +1055,7 @@
           </a:ln>
           <a:extLst>
             <a:ext uri="{C572A759-6A51-4108-AA02-DFA0A04FC94B}">
-              <ma14:wrappingTextBoxFlag xmlns:ma14="http://schemas.microsoft.com/office/mac/drawingml/2011/main" xmlns:a14="http://schemas.microsoft.com/office/drawing/2010/main" xmlns:m="http://schemas.openxmlformats.org/officeDocument/2006/math" xmlns="" val="1"/>
+              <ma14:wrappingTextBoxFlag xmlns="" xmlns:m="http://schemas.openxmlformats.org/officeDocument/2006/math" xmlns:a14="http://schemas.microsoft.com/office/drawing/2010/main" xmlns:ma14="http://schemas.microsoft.com/office/mac/drawingml/2011/main" val="1"/>
             </a:ext>
           </a:extLst>
         </p:spPr>
@@ -2042,7 +2047,7 @@
           </a:ln>
           <a:extLst>
             <a:ext uri="{C572A759-6A51-4108-AA02-DFA0A04FC94B}">
-              <ma14:wrappingTextBoxFlag xmlns:ma14="http://schemas.microsoft.com/office/mac/drawingml/2011/main" xmlns:a14="http://schemas.microsoft.com/office/drawing/2010/main" xmlns:m="http://schemas.openxmlformats.org/officeDocument/2006/math" xmlns="" val="1"/>
+              <ma14:wrappingTextBoxFlag xmlns="" xmlns:m="http://schemas.openxmlformats.org/officeDocument/2006/math" xmlns:a14="http://schemas.microsoft.com/office/drawing/2010/main" xmlns:ma14="http://schemas.microsoft.com/office/mac/drawingml/2011/main" val="1"/>
             </a:ext>
           </a:extLst>
         </p:spPr>
@@ -2121,10 +2126,10 @@
       </p:sp>
       <p:pic>
         <p:nvPicPr>
-          <p:cNvPr id="5" name="Picture 4">
+          <p:cNvPr id="2" name="Picture 1">
             <a:extLst>
               <a:ext uri="{FF2B5EF4-FFF2-40B4-BE49-F238E27FC236}">
-                <a16:creationId xmlns:a16="http://schemas.microsoft.com/office/drawing/2014/main" id="{2F971FB8-B83A-4044-93F4-59B48D13EEC8}"/>
+                <a16:creationId xmlns:a16="http://schemas.microsoft.com/office/drawing/2014/main" id="{945D5638-2650-FF4D-944A-2960FE0E5655}"/>
               </a:ext>
             </a:extLst>
           </p:cNvPr>
@@ -2141,8 +2146,8 @@
         </p:blipFill>
         <p:spPr>
           <a:xfrm>
-            <a:off x="5365675" y="4802476"/>
-            <a:ext cx="3100230" cy="1937646"/>
+            <a:off x="5439024" y="4820829"/>
+            <a:ext cx="2540000" cy="1905000"/>
           </a:xfrm>
           <a:prstGeom prst="rect">
             <a:avLst/>
@@ -2796,8 +2801,8 @@
           </a:p>
         </p:txBody>
       </p:sp>
-      <mc:AlternateContent xmlns:mc="http://schemas.openxmlformats.org/markup-compatibility/2006">
-        <mc:Choice xmlns:a14="http://schemas.microsoft.com/office/drawing/2010/main" Requires="a14">
+      <mc:AlternateContent xmlns:mc="http://schemas.openxmlformats.org/markup-compatibility/2006" xmlns:a14="http://schemas.microsoft.com/office/drawing/2010/main">
+        <mc:Choice Requires="a14">
           <p:sp>
             <p:nvSpPr>
               <p:cNvPr id="50" name="Anomaly detection can provide a wide range of applications, from capturing rare events or unusual observations to protecting a complex system against failures or attacks.…"/>
@@ -3716,7 +3721,7 @@
             </p:txBody>
           </p:sp>
         </mc:Choice>
-        <mc:Fallback>
+        <mc:Fallback xmlns="">
           <p:sp>
             <p:nvSpPr>
               <p:cNvPr id="50" name="Anomaly detection can provide a wide range of applications, from capturing rare events or unusual observations to protecting a complex system against failures or attacks.…"/>
@@ -6958,7 +6963,7 @@
           </a:ln>
           <a:extLst>
             <a:ext uri="{C572A759-6A51-4108-AA02-DFA0A04FC94B}">
-              <ma14:wrappingTextBoxFlag xmlns:ma14="http://schemas.microsoft.com/office/mac/drawingml/2011/main" xmlns:a14="http://schemas.microsoft.com/office/drawing/2010/main" xmlns:m="http://schemas.openxmlformats.org/officeDocument/2006/math" xmlns="" val="1"/>
+              <ma14:wrappingTextBoxFlag xmlns="" xmlns:m="http://schemas.openxmlformats.org/officeDocument/2006/math" xmlns:a14="http://schemas.microsoft.com/office/drawing/2010/main" xmlns:ma14="http://schemas.microsoft.com/office/mac/drawingml/2011/main" val="1"/>
             </a:ext>
           </a:extLst>
         </p:spPr>
@@ -7008,7 +7013,7 @@
           </a:ln>
           <a:extLst>
             <a:ext uri="{C572A759-6A51-4108-AA02-DFA0A04FC94B}">
-              <ma14:wrappingTextBoxFlag xmlns:ma14="http://schemas.microsoft.com/office/mac/drawingml/2011/main" xmlns:a14="http://schemas.microsoft.com/office/drawing/2010/main" xmlns:m="http://schemas.openxmlformats.org/officeDocument/2006/math" xmlns="" val="1"/>
+              <ma14:wrappingTextBoxFlag xmlns="" xmlns:m="http://schemas.openxmlformats.org/officeDocument/2006/math" xmlns:a14="http://schemas.microsoft.com/office/drawing/2010/main" xmlns:ma14="http://schemas.microsoft.com/office/mac/drawingml/2011/main" val="1"/>
             </a:ext>
           </a:extLst>
         </p:spPr>
@@ -7332,8 +7337,8 @@
           </a:p>
         </p:txBody>
       </p:sp>
-      <mc:AlternateContent xmlns:mc="http://schemas.openxmlformats.org/markup-compatibility/2006">
-        <mc:Choice xmlns:a14="http://schemas.microsoft.com/office/drawing/2010/main" Requires="a14">
+      <mc:AlternateContent xmlns:mc="http://schemas.openxmlformats.org/markup-compatibility/2006" xmlns:a14="http://schemas.microsoft.com/office/drawing/2010/main">
+        <mc:Choice Requires="a14">
           <p:sp>
             <p:nvSpPr>
               <p:cNvPr id="50" name="Anomaly detection can provide a wide range of applications, from capturing rare events or unusual observations to protecting a complex system against failures or attacks.…"/>
@@ -8055,7 +8060,7 @@
             </p:txBody>
           </p:sp>
         </mc:Choice>
-        <mc:Fallback>
+        <mc:Fallback xmlns="">
           <p:sp>
             <p:nvSpPr>
               <p:cNvPr id="50" name="Anomaly detection can provide a wide range of applications, from capturing rare events or unusual observations to protecting a complex system against failures or attacks.…"/>
@@ -8369,8 +8374,8 @@
           </a:p>
         </p:txBody>
       </p:sp>
-      <mc:AlternateContent xmlns:mc="http://schemas.openxmlformats.org/markup-compatibility/2006">
-        <mc:Choice xmlns:a14="http://schemas.microsoft.com/office/drawing/2010/main" Requires="a14">
+      <mc:AlternateContent xmlns:mc="http://schemas.openxmlformats.org/markup-compatibility/2006" xmlns:a14="http://schemas.microsoft.com/office/drawing/2010/main">
+        <mc:Choice Requires="a14">
           <p:sp>
             <p:nvSpPr>
               <p:cNvPr id="50" name="Anomaly detection can provide a wide range of applications, from capturing rare events or unusual observations to protecting a complex system against failures or attacks.…"/>
@@ -9545,7 +9550,7 @@
             </p:txBody>
           </p:sp>
         </mc:Choice>
-        <mc:Fallback>
+        <mc:Fallback xmlns="">
           <p:sp>
             <p:nvSpPr>
               <p:cNvPr id="50" name="Anomaly detection can provide a wide range of applications, from capturing rare events or unusual observations to protecting a complex system against failures or attacks.…"/>
